--- a/Presentation/1차 발표자료.pptx
+++ b/Presentation/1차 발표자료.pptx
@@ -24369,7 +24369,7 @@
         <p:spPr>
           <a:xfrm>
             <a:off x="3231091" y="2345578"/>
-            <a:ext cx="5510893" cy="854080"/>
+            <a:ext cx="5510893" cy="574966"/>
           </a:xfrm>
           <a:prstGeom prst="rect">
             <a:avLst/>
@@ -24387,31 +24387,24 @@
               </a:lnSpc>
             </a:pPr>
             <a:r>
-              <a:rPr lang="en-US" altLang="ko-KR" sz="2400" b="1" i="1" dirty="0">
-                <a:solidFill>
-                  <a:srgbClr val="FF7C80"/>
-                </a:solidFill>
-              </a:rPr>
-              <a:t>PRESENTATION</a:t>
-            </a:r>
-          </a:p>
-          <a:p>
-            <a:pPr algn="ctr">
-              <a:lnSpc>
-                <a:spcPct val="150000"/>
-              </a:lnSpc>
-            </a:pPr>
-            <a:r>
-              <a:rPr lang="en-US" altLang="ko-KR" sz="800" dirty="0">
+              <a:rPr lang="ko-KR" altLang="en-US" sz="2400" b="1" i="1" dirty="0">
                 <a:solidFill>
                   <a:schemeClr val="tx1">
-                    <a:lumMod val="75000"/>
-                    <a:lumOff val="25000"/>
+                    <a:lumMod val="50000"/>
+                    <a:lumOff val="50000"/>
                   </a:schemeClr>
                 </a:solidFill>
               </a:rPr>
-              <a:t>Enjoy your stylish business and campus life with BIZCAM </a:t>
+              <a:t>현재 진행상황</a:t>
             </a:r>
+            <a:endParaRPr lang="en-US" altLang="ko-KR" sz="2400" b="1" i="1" dirty="0">
+              <a:solidFill>
+                <a:schemeClr val="tx1">
+                  <a:lumMod val="50000"/>
+                  <a:lumOff val="50000"/>
+                </a:schemeClr>
+              </a:solidFill>
+            </a:endParaRPr>
           </a:p>
         </p:txBody>
       </p:sp>
@@ -25389,7 +25382,7 @@
         <p:spPr>
           <a:xfrm>
             <a:off x="3680223" y="301517"/>
-            <a:ext cx="5394256" cy="969496"/>
+            <a:ext cx="5394256" cy="655372"/>
           </a:xfrm>
           <a:prstGeom prst="rect">
             <a:avLst/>
@@ -25401,11 +25394,22 @@
           </a:bodyPr>
           <a:lstStyle/>
           <a:p>
-            <a:pPr>
+            <a:pPr algn="ctr">
               <a:lnSpc>
                 <a:spcPct val="150000"/>
               </a:lnSpc>
             </a:pPr>
+            <a:r>
+              <a:rPr lang="ko-KR" altLang="en-US" sz="2000" dirty="0">
+                <a:solidFill>
+                  <a:schemeClr val="tx1">
+                    <a:lumMod val="65000"/>
+                    <a:lumOff val="35000"/>
+                  </a:schemeClr>
+                </a:solidFill>
+              </a:rPr>
+              <a:t>진행 계획 및 전략</a:t>
+            </a:r>
             <a:r>
               <a:rPr lang="en-US" altLang="ko-KR" sz="2000" dirty="0">
                 <a:solidFill>
@@ -25415,10 +25419,10 @@
                   </a:schemeClr>
                 </a:solidFill>
               </a:rPr>
-              <a:t>POWER POINT </a:t>
+              <a:t> </a:t>
             </a:r>
             <a:r>
-              <a:rPr lang="en-US" altLang="ko-KR" sz="2800" b="1" dirty="0">
+              <a:rPr lang="ko-KR" altLang="en-US" sz="2800" b="1" dirty="0">
                 <a:solidFill>
                   <a:schemeClr val="tx1">
                     <a:lumMod val="65000"/>
@@ -25426,90 +25430,14 @@
                   </a:schemeClr>
                 </a:solidFill>
               </a:rPr>
-              <a:t>PRESENTATION</a:t>
+              <a:t>현재 진행상황</a:t>
             </a:r>
-          </a:p>
-          <a:p>
-            <a:pPr>
-              <a:lnSpc>
-                <a:spcPct val="150000"/>
-              </a:lnSpc>
-            </a:pPr>
-            <a:r>
-              <a:rPr lang="en-US" altLang="ko-KR" sz="1000" dirty="0">
-                <a:solidFill>
-                  <a:schemeClr val="tx1">
-                    <a:lumMod val="65000"/>
-                    <a:lumOff val="35000"/>
-                  </a:schemeClr>
-                </a:solidFill>
-              </a:rPr>
-              <a:t>Enjoy your stylish business and campus life with BIZCAM </a:t>
-            </a:r>
-          </a:p>
-        </p:txBody>
-      </p:sp>
-      <p:sp>
-        <p:nvSpPr>
-          <p:cNvPr id="35" name="직사각형 34">
-            <a:extLst>
-              <a:ext uri="{FF2B5EF4-FFF2-40B4-BE49-F238E27FC236}">
-                <a16:creationId xmlns:a16="http://schemas.microsoft.com/office/drawing/2014/main" id="{2D679947-40E1-492B-A9EB-C4D761419CB9}"/>
-              </a:ext>
-            </a:extLst>
-          </p:cNvPr>
-          <p:cNvSpPr/>
-          <p:nvPr/>
-        </p:nvSpPr>
-        <p:spPr>
-          <a:xfrm>
-            <a:off x="7108786" y="979108"/>
-            <a:ext cx="1072954" cy="208343"/>
-          </a:xfrm>
-          <a:prstGeom prst="rect">
-            <a:avLst/>
-          </a:prstGeom>
-          <a:solidFill>
-            <a:schemeClr val="accent1">
-              <a:lumMod val="75000"/>
-            </a:schemeClr>
-          </a:solidFill>
-          <a:ln>
-            <a:noFill/>
-          </a:ln>
-        </p:spPr>
-        <p:style>
-          <a:lnRef idx="2">
-            <a:schemeClr val="accent1">
-              <a:shade val="50000"/>
-            </a:schemeClr>
-          </a:lnRef>
-          <a:fillRef idx="1">
-            <a:schemeClr val="accent1"/>
-          </a:fillRef>
-          <a:effectRef idx="0">
-            <a:schemeClr val="accent1"/>
-          </a:effectRef>
-          <a:fontRef idx="minor">
-            <a:schemeClr val="lt1"/>
-          </a:fontRef>
-        </p:style>
-        <p:txBody>
-          <a:bodyPr rtlCol="0" anchor="ctr"/>
-          <a:lstStyle/>
-          <a:p>
-            <a:pPr algn="ctr"/>
-            <a:r>
-              <a:rPr lang="en-US" altLang="ko-KR" sz="1100" dirty="0">
-                <a:solidFill>
-                  <a:schemeClr val="bg1"/>
-                </a:solidFill>
-              </a:rPr>
-              <a:t>Design Graph</a:t>
-            </a:r>
-            <a:endParaRPr lang="ko-KR" altLang="en-US" sz="1100" dirty="0">
+            <a:endParaRPr lang="en-US" altLang="ko-KR" sz="2800" b="1" dirty="0">
               <a:solidFill>
-                <a:schemeClr val="bg1"/>
+                <a:schemeClr val="tx1">
+                  <a:lumMod val="65000"/>
+                  <a:lumOff val="35000"/>
+                </a:schemeClr>
               </a:solidFill>
             </a:endParaRPr>
           </a:p>
@@ -25911,76 +25839,6 @@
           <a:chExt cx="0" cy="0"/>
         </a:xfrm>
       </p:grpSpPr>
-      <p:sp>
-        <p:nvSpPr>
-          <p:cNvPr id="11" name="직사각형 10"/>
-          <p:cNvSpPr/>
-          <p:nvPr/>
-        </p:nvSpPr>
-        <p:spPr>
-          <a:xfrm>
-            <a:off x="743742" y="210735"/>
-            <a:ext cx="5484781" cy="655372"/>
-          </a:xfrm>
-          <a:prstGeom prst="rect">
-            <a:avLst/>
-          </a:prstGeom>
-        </p:spPr>
-        <p:txBody>
-          <a:bodyPr wrap="square">
-            <a:spAutoFit/>
-          </a:bodyPr>
-          <a:lstStyle/>
-          <a:p>
-            <a:pPr>
-              <a:lnSpc>
-                <a:spcPct val="150000"/>
-              </a:lnSpc>
-            </a:pPr>
-            <a:r>
-              <a:rPr lang="ko-KR" altLang="en-US" sz="2000" i="1" dirty="0">
-                <a:solidFill>
-                  <a:prstClr val="black">
-                    <a:lumMod val="65000"/>
-                    <a:lumOff val="35000"/>
-                  </a:prstClr>
-                </a:solidFill>
-              </a:rPr>
-              <a:t>전략</a:t>
-            </a:r>
-            <a:r>
-              <a:rPr lang="en-US" altLang="ko-KR" sz="2000" i="1" dirty="0">
-                <a:solidFill>
-                  <a:prstClr val="black">
-                    <a:lumMod val="65000"/>
-                    <a:lumOff val="35000"/>
-                  </a:prstClr>
-                </a:solidFill>
-              </a:rPr>
-              <a:t> </a:t>
-            </a:r>
-            <a:r>
-              <a:rPr lang="en-US" altLang="ko-KR" sz="2800" b="1" i="1" dirty="0" err="1">
-                <a:solidFill>
-                  <a:prstClr val="black">
-                    <a:lumMod val="65000"/>
-                    <a:lumOff val="35000"/>
-                  </a:prstClr>
-                </a:solidFill>
-              </a:rPr>
-              <a:t>Github</a:t>
-            </a:r>
-            <a:endParaRPr lang="en-US" altLang="ko-KR" sz="2800" b="1" i="1" dirty="0">
-              <a:solidFill>
-                <a:prstClr val="black">
-                  <a:lumMod val="65000"/>
-                  <a:lumOff val="35000"/>
-                </a:prstClr>
-              </a:solidFill>
-            </a:endParaRPr>
-          </a:p>
-        </p:txBody>
-      </p:sp>
       <p:pic>
         <p:nvPicPr>
           <p:cNvPr id="15" name="그림 14">
@@ -26023,13 +25881,13 @@
           <p:nvPr>
             <p:extLst>
               <p:ext uri="{D42A27DB-BD31-4B8C-83A1-F6EECF244321}">
-                <p14:modId xmlns:p14="http://schemas.microsoft.com/office/powerpoint/2010/main" val="2786301361"/>
+                <p14:modId xmlns:p14="http://schemas.microsoft.com/office/powerpoint/2010/main" val="3572092025"/>
               </p:ext>
             </p:extLst>
           </p:nvPr>
         </p:nvGraphicFramePr>
         <p:xfrm>
-          <a:off x="381200" y="1414249"/>
+          <a:off x="406367" y="1414249"/>
           <a:ext cx="5817921" cy="1842712"/>
         </p:xfrm>
         <a:graphic>
@@ -26094,6 +25952,82 @@
           </a:graphicData>
         </a:graphic>
       </p:graphicFrame>
+      <p:sp>
+        <p:nvSpPr>
+          <p:cNvPr id="7" name="직사각형 6">
+            <a:extLst>
+              <a:ext uri="{FF2B5EF4-FFF2-40B4-BE49-F238E27FC236}">
+                <a16:creationId xmlns:a16="http://schemas.microsoft.com/office/drawing/2014/main" id="{CCE3A3A9-21F7-4FBD-B969-FF83EA4EB84E}"/>
+              </a:ext>
+            </a:extLst>
+          </p:cNvPr>
+          <p:cNvSpPr/>
+          <p:nvPr/>
+        </p:nvSpPr>
+        <p:spPr>
+          <a:xfrm>
+            <a:off x="3680223" y="301517"/>
+            <a:ext cx="5394256" cy="655372"/>
+          </a:xfrm>
+          <a:prstGeom prst="rect">
+            <a:avLst/>
+          </a:prstGeom>
+        </p:spPr>
+        <p:txBody>
+          <a:bodyPr wrap="square">
+            <a:spAutoFit/>
+          </a:bodyPr>
+          <a:lstStyle/>
+          <a:p>
+            <a:pPr algn="ctr">
+              <a:lnSpc>
+                <a:spcPct val="150000"/>
+              </a:lnSpc>
+            </a:pPr>
+            <a:r>
+              <a:rPr lang="ko-KR" altLang="en-US" sz="2000" dirty="0">
+                <a:solidFill>
+                  <a:schemeClr val="tx1">
+                    <a:lumMod val="65000"/>
+                    <a:lumOff val="35000"/>
+                  </a:schemeClr>
+                </a:solidFill>
+              </a:rPr>
+              <a:t>진행 계획 및 전략</a:t>
+            </a:r>
+            <a:r>
+              <a:rPr lang="en-US" altLang="ko-KR" sz="2000" dirty="0">
+                <a:solidFill>
+                  <a:schemeClr val="tx1">
+                    <a:lumMod val="65000"/>
+                    <a:lumOff val="35000"/>
+                  </a:schemeClr>
+                </a:solidFill>
+              </a:rPr>
+              <a:t> </a:t>
+            </a:r>
+            <a:r>
+              <a:rPr lang="en-US" altLang="ko-KR" sz="2800" b="1" dirty="0" err="1">
+                <a:solidFill>
+                  <a:schemeClr val="tx1">
+                    <a:lumMod val="65000"/>
+                    <a:lumOff val="35000"/>
+                  </a:schemeClr>
+                </a:solidFill>
+              </a:rPr>
+              <a:t>Github</a:t>
+            </a:r>
+            <a:endParaRPr lang="en-US" altLang="ko-KR" sz="2800" b="1" dirty="0">
+              <a:solidFill>
+                <a:schemeClr val="tx1">
+                  <a:lumMod val="65000"/>
+                  <a:lumOff val="35000"/>
+                </a:schemeClr>
+              </a:solidFill>
+            </a:endParaRPr>
+          </a:p>
+        </p:txBody>
+      </p:sp>
     </p:spTree>
     <p:extLst>
       <p:ext uri="{BB962C8B-B14F-4D97-AF65-F5344CB8AC3E}">
